--- a/Documents/TB 2014.11.25.pptx
+++ b/Documents/TB 2014.11.25.pptx
@@ -7758,13 +7758,8 @@
             </a:r>
             <a:r>
               <a:rPr lang="fr-FR" dirty="0" smtClean="0"/>
-              <a:t>le </a:t>
+              <a:t>le 11/11/14</a:t>
             </a:r>
-            <a:r>
-              <a:rPr lang="fr-FR" dirty="0" smtClean="0"/>
-              <a:t>11/11/14</a:t>
-            </a:r>
-            <a:endParaRPr lang="fr-FR" dirty="0" smtClean="0"/>
           </a:p>
           <a:p>
             <a:endParaRPr lang="fr-FR" b="0" i="1" dirty="0"/>
@@ -7827,24 +7822,16 @@
           <a:bodyPr/>
           <a:lstStyle/>
           <a:p>
-            <a:pPr>
+            <a:pPr algn="ctr">
               <a:defRPr/>
             </a:pPr>
             <a:r>
-              <a:rPr lang="en-US" dirty="0" err="1" smtClean="0"/>
-              <a:t>Réf</a:t>
+              <a:rPr lang="en-US" dirty="0"/>
+              <a:t>TB </a:t>
             </a:r>
             <a:r>
               <a:rPr lang="en-US" dirty="0" smtClean="0"/>
-              <a:t>. Du </a:t>
-            </a:r>
-            <a:r>
-              <a:rPr lang="en-US" dirty="0" err="1" smtClean="0"/>
-              <a:t>fichier</a:t>
-            </a:r>
-            <a:r>
-              <a:rPr lang="en-US" dirty="0" smtClean="0"/>
-              <a:t> – Date</a:t>
+              <a:t>2014.11.25</a:t>
             </a:r>
             <a:endParaRPr lang="en-US" dirty="0"/>
           </a:p>
@@ -8165,11 +8152,7 @@
             </a:r>
             <a:r>
               <a:rPr lang="fr-FR" dirty="0" smtClean="0"/>
-              <a:t>11</a:t>
-            </a:r>
-            <a:r>
-              <a:rPr lang="fr-FR" dirty="0" smtClean="0"/>
-              <a:t>/11/14 </a:t>
+              <a:t>11/11/14 </a:t>
             </a:r>
             <a:r>
               <a:rPr lang="fr-FR" dirty="0"/>
@@ -8177,15 +8160,7 @@
             </a:r>
             <a:r>
               <a:rPr lang="fr-FR" dirty="0" smtClean="0"/>
-              <a:t>25</a:t>
-            </a:r>
-            <a:r>
-              <a:rPr lang="fr-FR" dirty="0" smtClean="0"/>
-              <a:t>/11/14</a:t>
-            </a:r>
-            <a:r>
-              <a:rPr lang="fr-FR" dirty="0" smtClean="0"/>
-              <a:t/>
+              <a:t>25/11/14</a:t>
             </a:r>
             <a:br>
               <a:rPr lang="fr-FR" dirty="0" smtClean="0"/>
@@ -8548,7 +8523,6 @@
                         <a:rPr lang="fr-FR" sz="1400" b="0" i="0" baseline="0" noProof="0" dirty="0" smtClean="0"/>
                         <a:t>- Réunion avec le client le 14/11/14</a:t>
                       </a:r>
-                      <a:endParaRPr lang="fr-FR" sz="1400" b="0" i="0" baseline="0" noProof="0" dirty="0" smtClean="0"/>
                     </a:p>
                   </a:txBody>
                   <a:tcPr>
@@ -8637,15 +8611,7 @@
                       </a:pPr>
                       <a:r>
                         <a:rPr lang="fr-FR" sz="1400" b="0" i="0" baseline="0" noProof="0" dirty="0" smtClean="0"/>
-                        <a:t>- Maintenir le </a:t>
-                      </a:r>
-                      <a:r>
-                        <a:rPr lang="fr-FR" sz="1400" b="0" i="0" baseline="0" noProof="0" dirty="0" smtClean="0"/>
-                        <a:t>WBS : </a:t>
-                      </a:r>
-                      <a:r>
-                        <a:rPr lang="fr-FR" sz="1400" b="0" i="0" baseline="0" noProof="0" dirty="0" smtClean="0"/>
-                        <a:t>1j/h</a:t>
+                        <a:t>- Maintenir le WBS : 1j/h</a:t>
                       </a:r>
                     </a:p>
                     <a:p>
@@ -8670,7 +8636,6 @@
                         <a:rPr lang="fr-FR" sz="1400" b="0" i="0" baseline="0" noProof="0" dirty="0" smtClean="0"/>
                         <a:t>- Réalisation du lot 1 : 6j/h</a:t>
                       </a:r>
-                      <a:endParaRPr lang="fr-FR" sz="1400" b="0" i="0" baseline="0" noProof="0" dirty="0" smtClean="0"/>
                     </a:p>
                     <a:p>
                       <a:pPr marL="0" marR="0" indent="0" algn="l" defTabSz="914400" rtl="0" eaLnBrk="1" fontAlgn="auto" latinLnBrk="0" hangingPunct="1">
@@ -8692,13 +8657,8 @@
                       </a:pPr>
                       <a:r>
                         <a:rPr lang="fr-FR" sz="1400" b="0" i="0" baseline="0" noProof="0" dirty="0" smtClean="0"/>
-                        <a:t>- Réunion avec le client le </a:t>
+                        <a:t>- Réunion avec le client le 26/11/14</a:t>
                       </a:r>
-                      <a:r>
-                        <a:rPr lang="fr-FR" sz="1400" b="0" i="0" baseline="0" noProof="0" dirty="0" smtClean="0"/>
-                        <a:t>26/11/14</a:t>
-                      </a:r>
-                      <a:endParaRPr lang="fr-FR" sz="1400" b="0" i="0" baseline="0" noProof="0" dirty="0" smtClean="0"/>
                     </a:p>
                   </a:txBody>
                   <a:tcPr>
@@ -8935,29 +8895,7 @@
                           <a:ea typeface="+mn-ea"/>
                           <a:cs typeface="+mn-cs"/>
                         </a:rPr>
-                        <a:t>- </a:t>
-                      </a:r>
-                      <a:r>
-                        <a:rPr lang="fr-FR" sz="1400" b="0" i="0" kern="1200" baseline="0" noProof="0" dirty="0" smtClean="0">
-                          <a:solidFill>
-                            <a:schemeClr val="tx1"/>
-                          </a:solidFill>
-                          <a:latin typeface="+mn-lt"/>
-                          <a:ea typeface="+mn-ea"/>
-                          <a:cs typeface="+mn-cs"/>
-                        </a:rPr>
-                        <a:t>Gros travail demandé sur les autres </a:t>
-                      </a:r>
-                      <a:r>
-                        <a:rPr lang="fr-FR" sz="1400" b="0" i="0" kern="1200" baseline="0" noProof="0" dirty="0" smtClean="0">
-                          <a:solidFill>
-                            <a:schemeClr val="tx1"/>
-                          </a:solidFill>
-                          <a:latin typeface="+mn-lt"/>
-                          <a:ea typeface="+mn-ea"/>
-                          <a:cs typeface="+mn-cs"/>
-                        </a:rPr>
-                        <a:t>projets</a:t>
+                        <a:t>- Gros travail demandé sur les autres projets</a:t>
                       </a:r>
                       <a:endParaRPr lang="fr-FR" sz="1600" b="0" i="1" kern="1200" baseline="0" noProof="0" dirty="0">
                         <a:solidFill>
@@ -9228,22 +9166,18 @@
               <a:defRPr/>
             </a:pPr>
             <a:r>
-              <a:rPr lang="en-US" dirty="0" err="1" smtClean="0"/>
-              <a:t>Réf</a:t>
+              <a:rPr lang="en-US" sz="1800" dirty="0">
+                <a:solidFill>
+                  <a:schemeClr val="tx1"/>
+                </a:solidFill>
+              </a:rPr>
+              <a:t>TB 2014.11.25</a:t>
             </a:r>
-            <a:r>
-              <a:rPr lang="en-US" dirty="0" smtClean="0"/>
-              <a:t>. Du </a:t>
-            </a:r>
-            <a:r>
-              <a:rPr lang="en-US" dirty="0" err="1" smtClean="0"/>
-              <a:t>fichier</a:t>
-            </a:r>
-            <a:r>
-              <a:rPr lang="en-US" dirty="0" smtClean="0"/>
-              <a:t> – Date</a:t>
-            </a:r>
-            <a:endParaRPr lang="en-US" dirty="0"/>
+            <a:endParaRPr lang="en-US" sz="1800" dirty="0">
+              <a:solidFill>
+                <a:schemeClr val="tx1"/>
+              </a:solidFill>
+            </a:endParaRPr>
           </a:p>
         </p:txBody>
       </p:sp>
@@ -9316,11 +9250,7 @@
             </a:r>
             <a:r>
               <a:rPr lang="fr-FR" dirty="0"/>
-              <a:t>du </a:t>
-            </a:r>
-            <a:r>
-              <a:rPr lang="fr-FR" dirty="0"/>
-              <a:t>11/11/14 au </a:t>
+              <a:t>du 11/11/14 au </a:t>
             </a:r>
             <a:r>
               <a:rPr lang="fr-FR" dirty="0" smtClean="0"/>
@@ -10020,15 +9950,7 @@
                             <a:schemeClr val="tx1"/>
                           </a:solidFill>
                         </a:rPr>
-                        <a:t>100</a:t>
-                      </a:r>
-                      <a:r>
-                        <a:rPr lang="fr-FR" sz="1400" dirty="0" smtClean="0">
-                          <a:solidFill>
-                            <a:schemeClr val="tx1"/>
-                          </a:solidFill>
-                        </a:rPr>
-                        <a:t>%</a:t>
+                        <a:t>100%</a:t>
                       </a:r>
                       <a:endParaRPr lang="fr-FR" sz="1400" dirty="0">
                         <a:solidFill>
@@ -10378,15 +10300,7 @@
                             <a:schemeClr val="tx1"/>
                           </a:solidFill>
                         </a:rPr>
-                        <a:t>0</a:t>
-                      </a:r>
-                      <a:r>
-                        <a:rPr lang="fr-FR" sz="1400" dirty="0" smtClean="0">
-                          <a:solidFill>
-                            <a:schemeClr val="tx1"/>
-                          </a:solidFill>
-                        </a:rPr>
-                        <a:t>%</a:t>
+                        <a:t>0%</a:t>
                       </a:r>
                       <a:endParaRPr lang="fr-FR" sz="1400" dirty="0">
                         <a:solidFill>
@@ -10525,24 +10439,12 @@
           <a:bodyPr/>
           <a:lstStyle/>
           <a:p>
-            <a:pPr>
+            <a:pPr algn="ctr">
               <a:defRPr/>
             </a:pPr>
             <a:r>
-              <a:rPr lang="en-US" dirty="0" err="1" smtClean="0"/>
-              <a:t>Réf</a:t>
-            </a:r>
-            <a:r>
-              <a:rPr lang="en-US" dirty="0" smtClean="0"/>
-              <a:t>. Du </a:t>
-            </a:r>
-            <a:r>
-              <a:rPr lang="en-US" dirty="0" err="1" smtClean="0"/>
-              <a:t>fichier</a:t>
-            </a:r>
-            <a:r>
-              <a:rPr lang="en-US" dirty="0" smtClean="0"/>
-              <a:t> – Date</a:t>
+              <a:rPr lang="en-US" dirty="0"/>
+              <a:t>TB 2014.11.25</a:t>
             </a:r>
             <a:endParaRPr lang="en-US" dirty="0"/>
           </a:p>
@@ -10607,11 +10509,7 @@
           <a:p>
             <a:r>
               <a:rPr lang="fr-FR" dirty="0" smtClean="0"/>
-              <a:t>Avancement des livrables au </a:t>
-            </a:r>
-            <a:r>
-              <a:rPr lang="fr-FR" dirty="0" smtClean="0"/>
-              <a:t>25/11/14 </a:t>
+              <a:t>Avancement des livrables au 25/11/14 </a:t>
             </a:r>
             <a:r>
               <a:rPr lang="en-GB" dirty="0"/>
@@ -11897,24 +11795,12 @@
           <a:bodyPr/>
           <a:lstStyle/>
           <a:p>
-            <a:pPr>
+            <a:pPr algn="ctr">
               <a:defRPr/>
             </a:pPr>
             <a:r>
-              <a:rPr lang="en-US" dirty="0" err="1" smtClean="0"/>
-              <a:t>Réf</a:t>
-            </a:r>
-            <a:r>
-              <a:rPr lang="en-US" dirty="0" smtClean="0"/>
-              <a:t>. Du </a:t>
-            </a:r>
-            <a:r>
-              <a:rPr lang="en-US" dirty="0" err="1" smtClean="0"/>
-              <a:t>fichier</a:t>
-            </a:r>
-            <a:r>
-              <a:rPr lang="en-US" dirty="0" smtClean="0"/>
-              <a:t> – Date</a:t>
+              <a:rPr lang="en-US" dirty="0"/>
+              <a:t>TB 2014.11.25</a:t>
             </a:r>
             <a:endParaRPr lang="en-US" dirty="0"/>
           </a:p>
@@ -14856,26 +14742,18 @@
               <a:defRPr/>
             </a:pPr>
             <a:r>
-              <a:rPr lang="en-US" dirty="0" err="1" smtClean="0"/>
-              <a:t>Réf</a:t>
+              <a:rPr lang="en-US" sz="1800" dirty="0">
+                <a:solidFill>
+                  <a:schemeClr val="tx1"/>
+                </a:solidFill>
+              </a:rPr>
+              <a:t>TB 2014.11.25</a:t>
             </a:r>
-            <a:r>
-              <a:rPr lang="en-US" dirty="0" smtClean="0"/>
-              <a:t>. Du </a:t>
-            </a:r>
-            <a:r>
-              <a:rPr lang="en-US" dirty="0" err="1" smtClean="0"/>
-              <a:t>fichier</a:t>
-            </a:r>
-            <a:r>
-              <a:rPr lang="en-US" dirty="0" smtClean="0"/>
-              <a:t> – Date </a:t>
-            </a:r>
-            <a:r>
-              <a:rPr lang="en-US" dirty="0" err="1" smtClean="0"/>
-              <a:t>Coproj</a:t>
-            </a:r>
-            <a:endParaRPr lang="en-US" dirty="0"/>
+            <a:endParaRPr lang="en-US" sz="1800" dirty="0">
+              <a:solidFill>
+                <a:schemeClr val="tx1"/>
+              </a:solidFill>
+            </a:endParaRPr>
           </a:p>
         </p:txBody>
       </p:sp>
@@ -16670,6 +16548,25 @@
 </file>
 
 <file path=customXml/item1.xml><?xml version="1.0" encoding="utf-8"?>
+<?mso-contentType ?>
+<FormTemplates xmlns="http://schemas.microsoft.com/sharepoint/v3/contenttype/forms">
+  <Display>DocumentLibraryForm</Display>
+  <Edit>DocumentLibraryForm</Edit>
+  <New>DocumentLibraryForm</New>
+</FormTemplates>
+</file>
+
+<file path=customXml/item2.xml><?xml version="1.0" encoding="utf-8"?>
+<p:properties xmlns:p="http://schemas.microsoft.com/office/2006/metadata/properties" xmlns:xsi="http://www.w3.org/2001/XMLSchema-instance" xmlns:pc="http://schemas.microsoft.com/office/infopath/2007/PartnerControls">
+  <documentManagement>
+    <DESCRIPTION0 xmlns="ba304b05-2de2-4a46-be7c-fa23123e7702">Exemple de Modele de TB-projet</DESCRIPTION0>
+    <Cat_x00e9_gorie xmlns="ba304b05-2de2-4a46-be7c-fa23123e7702">Etude</Cat_x00e9_gorie>
+    <Statut xmlns="ba304b05-2de2-4a46-be7c-fa23123e7702">Encours</Statut>
+  </documentManagement>
+</p:properties>
+</file>
+
+<file path=customXml/item3.xml><?xml version="1.0" encoding="utf-8"?>
 <ct:contentTypeSchema xmlns:ct="http://schemas.microsoft.com/office/2006/metadata/contentType" xmlns:ma="http://schemas.microsoft.com/office/2006/metadata/properties/metaAttributes" ct:_="" ma:_="" ma:contentTypeName="Document" ma:contentTypeID="0x010100F4FB27D112975140984A018D31E93D46" ma:contentTypeVersion="6" ma:contentTypeDescription="Crée un document." ma:contentTypeScope="" ma:versionID="cd1a5a7e3b4fab495c8d03ccfa007047">
   <xsd:schema xmlns:xsd="http://www.w3.org/2001/XMLSchema" xmlns:xs="http://www.w3.org/2001/XMLSchema" xmlns:p="http://schemas.microsoft.com/office/2006/metadata/properties" xmlns:ns2="ba304b05-2de2-4a46-be7c-fa23123e7702" targetNamespace="http://schemas.microsoft.com/office/2006/metadata/properties" ma:root="true" ma:fieldsID="17380a433e5f01ac948fc83ff4e94548" ns2:_="">
     <xsd:import namespace="ba304b05-2de2-4a46-be7c-fa23123e7702"/>
@@ -16820,39 +16717,10 @@
 </ct:contentTypeSchema>
 </file>
 
-<file path=customXml/item2.xml><?xml version="1.0" encoding="utf-8"?>
-<p:properties xmlns:p="http://schemas.microsoft.com/office/2006/metadata/properties" xmlns:xsi="http://www.w3.org/2001/XMLSchema-instance" xmlns:pc="http://schemas.microsoft.com/office/infopath/2007/PartnerControls">
-  <documentManagement>
-    <DESCRIPTION0 xmlns="ba304b05-2de2-4a46-be7c-fa23123e7702">Exemple de Modele de TB-projet</DESCRIPTION0>
-    <Cat_x00e9_gorie xmlns="ba304b05-2de2-4a46-be7c-fa23123e7702">Etude</Cat_x00e9_gorie>
-    <Statut xmlns="ba304b05-2de2-4a46-be7c-fa23123e7702">Encours</Statut>
-  </documentManagement>
-</p:properties>
-</file>
-
-<file path=customXml/item3.xml><?xml version="1.0" encoding="utf-8"?>
-<?mso-contentType ?>
-<FormTemplates xmlns="http://schemas.microsoft.com/sharepoint/v3/contenttype/forms">
-  <Display>DocumentLibraryForm</Display>
-  <Edit>DocumentLibraryForm</Edit>
-  <New>DocumentLibraryForm</New>
-</FormTemplates>
-</file>
-
 <file path=customXml/itemProps1.xml><?xml version="1.0" encoding="utf-8"?>
-<ds:datastoreItem xmlns:ds="http://schemas.openxmlformats.org/officeDocument/2006/customXml" ds:itemID="{A0A82F11-A615-41E5-B460-7C061A4C892A}">
+<ds:datastoreItem xmlns:ds="http://schemas.openxmlformats.org/officeDocument/2006/customXml" ds:itemID="{F4C7E9DD-FD39-4258-ACCA-161BEA35866B}">
   <ds:schemaRefs>
-    <ds:schemaRef ds:uri="http://schemas.microsoft.com/office/2006/metadata/contentType"/>
-    <ds:schemaRef ds:uri="http://schemas.microsoft.com/office/2006/metadata/properties/metaAttributes"/>
-    <ds:schemaRef ds:uri="http://www.w3.org/2001/XMLSchema"/>
-    <ds:schemaRef ds:uri="http://schemas.microsoft.com/office/2006/metadata/properties"/>
-    <ds:schemaRef ds:uri="ba304b05-2de2-4a46-be7c-fa23123e7702"/>
-    <ds:schemaRef ds:uri="http://schemas.microsoft.com/office/2006/documentManagement/types"/>
-    <ds:schemaRef ds:uri="http://schemas.microsoft.com/office/infopath/2007/PartnerControls"/>
-    <ds:schemaRef ds:uri="http://schemas.openxmlformats.org/package/2006/metadata/core-properties"/>
-    <ds:schemaRef ds:uri="http://purl.org/dc/elements/1.1/"/>
-    <ds:schemaRef ds:uri="http://purl.org/dc/terms/"/>
-    <ds:schemaRef ds:uri="http://schemas.microsoft.com/internal/obd"/>
+    <ds:schemaRef ds:uri="http://schemas.microsoft.com/sharepoint/v3/contenttype/forms"/>
   </ds:schemaRefs>
 </ds:datastoreItem>
 </file>
@@ -16874,9 +16742,19 @@
 </file>
 
 <file path=customXml/itemProps3.xml><?xml version="1.0" encoding="utf-8"?>
-<ds:datastoreItem xmlns:ds="http://schemas.openxmlformats.org/officeDocument/2006/customXml" ds:itemID="{F4C7E9DD-FD39-4258-ACCA-161BEA35866B}">
+<ds:datastoreItem xmlns:ds="http://schemas.openxmlformats.org/officeDocument/2006/customXml" ds:itemID="{A0A82F11-A615-41E5-B460-7C061A4C892A}">
   <ds:schemaRefs>
-    <ds:schemaRef ds:uri="http://schemas.microsoft.com/sharepoint/v3/contenttype/forms"/>
+    <ds:schemaRef ds:uri="http://schemas.microsoft.com/office/2006/metadata/contentType"/>
+    <ds:schemaRef ds:uri="http://schemas.microsoft.com/office/2006/metadata/properties/metaAttributes"/>
+    <ds:schemaRef ds:uri="http://www.w3.org/2001/XMLSchema"/>
+    <ds:schemaRef ds:uri="http://schemas.microsoft.com/office/2006/metadata/properties"/>
+    <ds:schemaRef ds:uri="ba304b05-2de2-4a46-be7c-fa23123e7702"/>
+    <ds:schemaRef ds:uri="http://schemas.microsoft.com/office/2006/documentManagement/types"/>
+    <ds:schemaRef ds:uri="http://schemas.microsoft.com/office/infopath/2007/PartnerControls"/>
+    <ds:schemaRef ds:uri="http://schemas.openxmlformats.org/package/2006/metadata/core-properties"/>
+    <ds:schemaRef ds:uri="http://purl.org/dc/elements/1.1/"/>
+    <ds:schemaRef ds:uri="http://purl.org/dc/terms/"/>
+    <ds:schemaRef ds:uri="http://schemas.microsoft.com/internal/obd"/>
   </ds:schemaRefs>
 </ds:datastoreItem>
 </file>
--- a/Documents/TB 2014.11.25.pptx
+++ b/Documents/TB 2014.11.25.pptx
@@ -9173,11 +9173,6 @@
               </a:rPr>
               <a:t>TB 2014.11.25</a:t>
             </a:r>
-            <a:endParaRPr lang="en-US" sz="1800" dirty="0">
-              <a:solidFill>
-                <a:schemeClr val="tx1"/>
-              </a:solidFill>
-            </a:endParaRPr>
           </a:p>
         </p:txBody>
       </p:sp>
@@ -10446,7 +10441,6 @@
               <a:rPr lang="en-US" dirty="0"/>
               <a:t>TB 2014.11.25</a:t>
             </a:r>
-            <a:endParaRPr lang="en-US" dirty="0"/>
           </a:p>
         </p:txBody>
       </p:sp>
@@ -10560,7 +10554,7 @@
           <p:nvPr>
             <p:extLst>
               <p:ext uri="{D42A27DB-BD31-4B8C-83A1-F6EECF244321}">
-                <p14:modId xmlns:p14="http://schemas.microsoft.com/office/powerpoint/2010/main" val="3009485336"/>
+                <p14:modId xmlns:p14="http://schemas.microsoft.com/office/powerpoint/2010/main" val="3418651051"/>
               </p:ext>
             </p:extLst>
           </p:nvPr>
@@ -11009,15 +11003,12 @@
                         <a:tabLst/>
                         <a:defRPr/>
                       </a:pPr>
-                      <a:r>
-                        <a:rPr lang="fr-FR" sz="1400" dirty="0" smtClean="0">
-                          <a:solidFill>
-                            <a:schemeClr val="tx1"/>
-                          </a:solidFill>
-                          <a:latin typeface="+mn-lt"/>
-                        </a:rPr>
-                        <a:t>28/11/14</a:t>
-                      </a:r>
+                      <a:endParaRPr lang="fr-FR" sz="1400" dirty="0" smtClean="0">
+                        <a:solidFill>
+                          <a:schemeClr val="tx1"/>
+                        </a:solidFill>
+                        <a:latin typeface="+mn-lt"/>
+                      </a:endParaRPr>
                     </a:p>
                   </a:txBody>
                   <a:tcPr/>
@@ -11044,15 +11035,12 @@
                         <a:tabLst/>
                         <a:defRPr/>
                       </a:pPr>
-                      <a:r>
-                        <a:rPr lang="fr-FR" sz="1400" dirty="0" smtClean="0">
-                          <a:solidFill>
-                            <a:schemeClr val="tx1"/>
-                          </a:solidFill>
-                          <a:latin typeface="+mn-lt"/>
-                        </a:rPr>
-                        <a:t>28/11/14</a:t>
-                      </a:r>
+                      <a:endParaRPr lang="fr-FR" sz="1400" dirty="0" smtClean="0">
+                        <a:solidFill>
+                          <a:schemeClr val="tx1"/>
+                        </a:solidFill>
+                        <a:latin typeface="+mn-lt"/>
+                      </a:endParaRPr>
                     </a:p>
                   </a:txBody>
                   <a:tcPr/>
@@ -11200,6 +11188,15 @@
                     <a:bodyPr/>
                     <a:lstStyle/>
                     <a:p>
+                      <a:r>
+                        <a:rPr lang="fr-FR" sz="1400" dirty="0" smtClean="0">
+                          <a:solidFill>
+                            <a:schemeClr val="tx1"/>
+                          </a:solidFill>
+                          <a:latin typeface="+mn-lt"/>
+                        </a:rPr>
+                        <a:t>0%</a:t>
+                      </a:r>
                       <a:endParaRPr lang="fr-FR" sz="1400" dirty="0">
                         <a:solidFill>
                           <a:schemeClr val="tx1"/>
@@ -11329,6 +11326,15 @@
                     <a:bodyPr/>
                     <a:lstStyle/>
                     <a:p>
+                      <a:r>
+                        <a:rPr lang="fr-FR" sz="1400" dirty="0" smtClean="0">
+                          <a:solidFill>
+                            <a:schemeClr val="tx1"/>
+                          </a:solidFill>
+                          <a:latin typeface="+mn-lt"/>
+                        </a:rPr>
+                        <a:t>0%</a:t>
+                      </a:r>
                       <a:endParaRPr lang="fr-FR" sz="1400" dirty="0">
                         <a:solidFill>
                           <a:schemeClr val="tx1"/>
@@ -11802,7 +11808,6 @@
               <a:rPr lang="en-US" dirty="0"/>
               <a:t>TB 2014.11.25</a:t>
             </a:r>
-            <a:endParaRPr lang="en-US" dirty="0"/>
           </a:p>
         </p:txBody>
       </p:sp>
@@ -14749,11 +14754,6 @@
               </a:rPr>
               <a:t>TB 2014.11.25</a:t>
             </a:r>
-            <a:endParaRPr lang="en-US" sz="1800" dirty="0">
-              <a:solidFill>
-                <a:schemeClr val="tx1"/>
-              </a:solidFill>
-            </a:endParaRPr>
           </a:p>
         </p:txBody>
       </p:sp>
@@ -16548,25 +16548,6 @@
 </file>
 
 <file path=customXml/item1.xml><?xml version="1.0" encoding="utf-8"?>
-<?mso-contentType ?>
-<FormTemplates xmlns="http://schemas.microsoft.com/sharepoint/v3/contenttype/forms">
-  <Display>DocumentLibraryForm</Display>
-  <Edit>DocumentLibraryForm</Edit>
-  <New>DocumentLibraryForm</New>
-</FormTemplates>
-</file>
-
-<file path=customXml/item2.xml><?xml version="1.0" encoding="utf-8"?>
-<p:properties xmlns:p="http://schemas.microsoft.com/office/2006/metadata/properties" xmlns:xsi="http://www.w3.org/2001/XMLSchema-instance" xmlns:pc="http://schemas.microsoft.com/office/infopath/2007/PartnerControls">
-  <documentManagement>
-    <DESCRIPTION0 xmlns="ba304b05-2de2-4a46-be7c-fa23123e7702">Exemple de Modele de TB-projet</DESCRIPTION0>
-    <Cat_x00e9_gorie xmlns="ba304b05-2de2-4a46-be7c-fa23123e7702">Etude</Cat_x00e9_gorie>
-    <Statut xmlns="ba304b05-2de2-4a46-be7c-fa23123e7702">Encours</Statut>
-  </documentManagement>
-</p:properties>
-</file>
-
-<file path=customXml/item3.xml><?xml version="1.0" encoding="utf-8"?>
 <ct:contentTypeSchema xmlns:ct="http://schemas.microsoft.com/office/2006/metadata/contentType" xmlns:ma="http://schemas.microsoft.com/office/2006/metadata/properties/metaAttributes" ct:_="" ma:_="" ma:contentTypeName="Document" ma:contentTypeID="0x010100F4FB27D112975140984A018D31E93D46" ma:contentTypeVersion="6" ma:contentTypeDescription="Crée un document." ma:contentTypeScope="" ma:versionID="cd1a5a7e3b4fab495c8d03ccfa007047">
   <xsd:schema xmlns:xsd="http://www.w3.org/2001/XMLSchema" xmlns:xs="http://www.w3.org/2001/XMLSchema" xmlns:p="http://schemas.microsoft.com/office/2006/metadata/properties" xmlns:ns2="ba304b05-2de2-4a46-be7c-fa23123e7702" targetNamespace="http://schemas.microsoft.com/office/2006/metadata/properties" ma:root="true" ma:fieldsID="17380a433e5f01ac948fc83ff4e94548" ns2:_="">
     <xsd:import namespace="ba304b05-2de2-4a46-be7c-fa23123e7702"/>
@@ -16717,10 +16698,39 @@
 </ct:contentTypeSchema>
 </file>
 
+<file path=customXml/item2.xml><?xml version="1.0" encoding="utf-8"?>
+<p:properties xmlns:p="http://schemas.microsoft.com/office/2006/metadata/properties" xmlns:xsi="http://www.w3.org/2001/XMLSchema-instance" xmlns:pc="http://schemas.microsoft.com/office/infopath/2007/PartnerControls">
+  <documentManagement>
+    <DESCRIPTION0 xmlns="ba304b05-2de2-4a46-be7c-fa23123e7702">Exemple de Modele de TB-projet</DESCRIPTION0>
+    <Cat_x00e9_gorie xmlns="ba304b05-2de2-4a46-be7c-fa23123e7702">Etude</Cat_x00e9_gorie>
+    <Statut xmlns="ba304b05-2de2-4a46-be7c-fa23123e7702">Encours</Statut>
+  </documentManagement>
+</p:properties>
+</file>
+
+<file path=customXml/item3.xml><?xml version="1.0" encoding="utf-8"?>
+<?mso-contentType ?>
+<FormTemplates xmlns="http://schemas.microsoft.com/sharepoint/v3/contenttype/forms">
+  <Display>DocumentLibraryForm</Display>
+  <Edit>DocumentLibraryForm</Edit>
+  <New>DocumentLibraryForm</New>
+</FormTemplates>
+</file>
+
 <file path=customXml/itemProps1.xml><?xml version="1.0" encoding="utf-8"?>
-<ds:datastoreItem xmlns:ds="http://schemas.openxmlformats.org/officeDocument/2006/customXml" ds:itemID="{F4C7E9DD-FD39-4258-ACCA-161BEA35866B}">
+<ds:datastoreItem xmlns:ds="http://schemas.openxmlformats.org/officeDocument/2006/customXml" ds:itemID="{A0A82F11-A615-41E5-B460-7C061A4C892A}">
   <ds:schemaRefs>
-    <ds:schemaRef ds:uri="http://schemas.microsoft.com/sharepoint/v3/contenttype/forms"/>
+    <ds:schemaRef ds:uri="http://schemas.microsoft.com/office/2006/metadata/contentType"/>
+    <ds:schemaRef ds:uri="http://schemas.microsoft.com/office/2006/metadata/properties/metaAttributes"/>
+    <ds:schemaRef ds:uri="http://www.w3.org/2001/XMLSchema"/>
+    <ds:schemaRef ds:uri="http://schemas.microsoft.com/office/2006/metadata/properties"/>
+    <ds:schemaRef ds:uri="ba304b05-2de2-4a46-be7c-fa23123e7702"/>
+    <ds:schemaRef ds:uri="http://schemas.microsoft.com/office/2006/documentManagement/types"/>
+    <ds:schemaRef ds:uri="http://schemas.microsoft.com/office/infopath/2007/PartnerControls"/>
+    <ds:schemaRef ds:uri="http://schemas.openxmlformats.org/package/2006/metadata/core-properties"/>
+    <ds:schemaRef ds:uri="http://purl.org/dc/elements/1.1/"/>
+    <ds:schemaRef ds:uri="http://purl.org/dc/terms/"/>
+    <ds:schemaRef ds:uri="http://schemas.microsoft.com/internal/obd"/>
   </ds:schemaRefs>
 </ds:datastoreItem>
 </file>
@@ -16742,19 +16752,9 @@
 </file>
 
 <file path=customXml/itemProps3.xml><?xml version="1.0" encoding="utf-8"?>
-<ds:datastoreItem xmlns:ds="http://schemas.openxmlformats.org/officeDocument/2006/customXml" ds:itemID="{A0A82F11-A615-41E5-B460-7C061A4C892A}">
+<ds:datastoreItem xmlns:ds="http://schemas.openxmlformats.org/officeDocument/2006/customXml" ds:itemID="{F4C7E9DD-FD39-4258-ACCA-161BEA35866B}">
   <ds:schemaRefs>
-    <ds:schemaRef ds:uri="http://schemas.microsoft.com/office/2006/metadata/contentType"/>
-    <ds:schemaRef ds:uri="http://schemas.microsoft.com/office/2006/metadata/properties/metaAttributes"/>
-    <ds:schemaRef ds:uri="http://www.w3.org/2001/XMLSchema"/>
-    <ds:schemaRef ds:uri="http://schemas.microsoft.com/office/2006/metadata/properties"/>
-    <ds:schemaRef ds:uri="ba304b05-2de2-4a46-be7c-fa23123e7702"/>
-    <ds:schemaRef ds:uri="http://schemas.microsoft.com/office/2006/documentManagement/types"/>
-    <ds:schemaRef ds:uri="http://schemas.microsoft.com/office/infopath/2007/PartnerControls"/>
-    <ds:schemaRef ds:uri="http://schemas.openxmlformats.org/package/2006/metadata/core-properties"/>
-    <ds:schemaRef ds:uri="http://purl.org/dc/elements/1.1/"/>
-    <ds:schemaRef ds:uri="http://purl.org/dc/terms/"/>
-    <ds:schemaRef ds:uri="http://schemas.microsoft.com/internal/obd"/>
+    <ds:schemaRef ds:uri="http://schemas.microsoft.com/sharepoint/v3/contenttype/forms"/>
   </ds:schemaRefs>
 </ds:datastoreItem>
 </file>
--- a/Documents/TB 2014.11.25.pptx
+++ b/Documents/TB 2014.11.25.pptx
@@ -243,7 +243,7 @@
               <a:pPr>
                 <a:defRPr/>
               </a:pPr>
-              <a:t>25/11/2014</a:t>
+              <a:t>26/01/2015</a:t>
             </a:fld>
             <a:endParaRPr lang="fr-FR"/>
           </a:p>
@@ -9300,7 +9300,7 @@
           <p:nvPr>
             <p:extLst>
               <p:ext uri="{D42A27DB-BD31-4B8C-83A1-F6EECF244321}">
-                <p14:modId xmlns:p14="http://schemas.microsoft.com/office/powerpoint/2010/main" val="2494983978"/>
+                <p14:modId xmlns:p14="http://schemas.microsoft.com/office/powerpoint/2010/main" val="1344689773"/>
               </p:ext>
             </p:extLst>
           </p:nvPr>
@@ -10103,6 +10103,14 @@
                     <a:bodyPr/>
                     <a:lstStyle/>
                     <a:p>
+                      <a:r>
+                        <a:rPr lang="fr-FR" sz="1400" dirty="0" smtClean="0">
+                          <a:solidFill>
+                            <a:schemeClr val="tx1"/>
+                          </a:solidFill>
+                        </a:rPr>
+                        <a:t>25/01/15</a:t>
+                      </a:r>
                       <a:endParaRPr lang="fr-FR" sz="1400" dirty="0">
                         <a:solidFill>
                           <a:schemeClr val="tx1"/>
@@ -10275,6 +10283,14 @@
                     <a:bodyPr/>
                     <a:lstStyle/>
                     <a:p>
+                      <a:r>
+                        <a:rPr lang="fr-FR" sz="1400" dirty="0" smtClean="0">
+                          <a:solidFill>
+                            <a:schemeClr val="tx1"/>
+                          </a:solidFill>
+                        </a:rPr>
+                        <a:t>18/01/15</a:t>
+                      </a:r>
                       <a:endParaRPr lang="fr-FR" sz="1400" dirty="0">
                         <a:solidFill>
                           <a:schemeClr val="tx1"/>
@@ -10554,7 +10570,7 @@
           <p:nvPr>
             <p:extLst>
               <p:ext uri="{D42A27DB-BD31-4B8C-83A1-F6EECF244321}">
-                <p14:modId xmlns:p14="http://schemas.microsoft.com/office/powerpoint/2010/main" val="3418651051"/>
+                <p14:modId xmlns:p14="http://schemas.microsoft.com/office/powerpoint/2010/main" val="2745341727"/>
               </p:ext>
             </p:extLst>
           </p:nvPr>
@@ -11035,6 +11051,15 @@
                         <a:tabLst/>
                         <a:defRPr/>
                       </a:pPr>
+                      <a:r>
+                        <a:rPr lang="fr-FR" sz="1400" dirty="0" smtClean="0">
+                          <a:solidFill>
+                            <a:schemeClr val="tx1"/>
+                          </a:solidFill>
+                          <a:latin typeface="+mn-lt"/>
+                        </a:rPr>
+                        <a:t>28/11/14</a:t>
+                      </a:r>
                       <a:endParaRPr lang="fr-FR" sz="1400" dirty="0" smtClean="0">
                         <a:solidFill>
                           <a:schemeClr val="tx1"/>
@@ -16548,6 +16573,25 @@
 </file>
 
 <file path=customXml/item1.xml><?xml version="1.0" encoding="utf-8"?>
+<?mso-contentType ?>
+<FormTemplates xmlns="http://schemas.microsoft.com/sharepoint/v3/contenttype/forms">
+  <Display>DocumentLibraryForm</Display>
+  <Edit>DocumentLibraryForm</Edit>
+  <New>DocumentLibraryForm</New>
+</FormTemplates>
+</file>
+
+<file path=customXml/item2.xml><?xml version="1.0" encoding="utf-8"?>
+<p:properties xmlns:p="http://schemas.microsoft.com/office/2006/metadata/properties" xmlns:xsi="http://www.w3.org/2001/XMLSchema-instance" xmlns:pc="http://schemas.microsoft.com/office/infopath/2007/PartnerControls">
+  <documentManagement>
+    <DESCRIPTION0 xmlns="ba304b05-2de2-4a46-be7c-fa23123e7702">Exemple de Modele de TB-projet</DESCRIPTION0>
+    <Cat_x00e9_gorie xmlns="ba304b05-2de2-4a46-be7c-fa23123e7702">Etude</Cat_x00e9_gorie>
+    <Statut xmlns="ba304b05-2de2-4a46-be7c-fa23123e7702">Encours</Statut>
+  </documentManagement>
+</p:properties>
+</file>
+
+<file path=customXml/item3.xml><?xml version="1.0" encoding="utf-8"?>
 <ct:contentTypeSchema xmlns:ct="http://schemas.microsoft.com/office/2006/metadata/contentType" xmlns:ma="http://schemas.microsoft.com/office/2006/metadata/properties/metaAttributes" ct:_="" ma:_="" ma:contentTypeName="Document" ma:contentTypeID="0x010100F4FB27D112975140984A018D31E93D46" ma:contentTypeVersion="6" ma:contentTypeDescription="Crée un document." ma:contentTypeScope="" ma:versionID="cd1a5a7e3b4fab495c8d03ccfa007047">
   <xsd:schema xmlns:xsd="http://www.w3.org/2001/XMLSchema" xmlns:xs="http://www.w3.org/2001/XMLSchema" xmlns:p="http://schemas.microsoft.com/office/2006/metadata/properties" xmlns:ns2="ba304b05-2de2-4a46-be7c-fa23123e7702" targetNamespace="http://schemas.microsoft.com/office/2006/metadata/properties" ma:root="true" ma:fieldsID="17380a433e5f01ac948fc83ff4e94548" ns2:_="">
     <xsd:import namespace="ba304b05-2de2-4a46-be7c-fa23123e7702"/>
@@ -16698,39 +16742,10 @@
 </ct:contentTypeSchema>
 </file>
 
-<file path=customXml/item2.xml><?xml version="1.0" encoding="utf-8"?>
-<p:properties xmlns:p="http://schemas.microsoft.com/office/2006/metadata/properties" xmlns:xsi="http://www.w3.org/2001/XMLSchema-instance" xmlns:pc="http://schemas.microsoft.com/office/infopath/2007/PartnerControls">
-  <documentManagement>
-    <DESCRIPTION0 xmlns="ba304b05-2de2-4a46-be7c-fa23123e7702">Exemple de Modele de TB-projet</DESCRIPTION0>
-    <Cat_x00e9_gorie xmlns="ba304b05-2de2-4a46-be7c-fa23123e7702">Etude</Cat_x00e9_gorie>
-    <Statut xmlns="ba304b05-2de2-4a46-be7c-fa23123e7702">Encours</Statut>
-  </documentManagement>
-</p:properties>
-</file>
-
-<file path=customXml/item3.xml><?xml version="1.0" encoding="utf-8"?>
-<?mso-contentType ?>
-<FormTemplates xmlns="http://schemas.microsoft.com/sharepoint/v3/contenttype/forms">
-  <Display>DocumentLibraryForm</Display>
-  <Edit>DocumentLibraryForm</Edit>
-  <New>DocumentLibraryForm</New>
-</FormTemplates>
-</file>
-
 <file path=customXml/itemProps1.xml><?xml version="1.0" encoding="utf-8"?>
-<ds:datastoreItem xmlns:ds="http://schemas.openxmlformats.org/officeDocument/2006/customXml" ds:itemID="{A0A82F11-A615-41E5-B460-7C061A4C892A}">
+<ds:datastoreItem xmlns:ds="http://schemas.openxmlformats.org/officeDocument/2006/customXml" ds:itemID="{F4C7E9DD-FD39-4258-ACCA-161BEA35866B}">
   <ds:schemaRefs>
-    <ds:schemaRef ds:uri="http://schemas.microsoft.com/office/2006/metadata/contentType"/>
-    <ds:schemaRef ds:uri="http://schemas.microsoft.com/office/2006/metadata/properties/metaAttributes"/>
-    <ds:schemaRef ds:uri="http://www.w3.org/2001/XMLSchema"/>
-    <ds:schemaRef ds:uri="http://schemas.microsoft.com/office/2006/metadata/properties"/>
-    <ds:schemaRef ds:uri="ba304b05-2de2-4a46-be7c-fa23123e7702"/>
-    <ds:schemaRef ds:uri="http://schemas.microsoft.com/office/2006/documentManagement/types"/>
-    <ds:schemaRef ds:uri="http://schemas.microsoft.com/office/infopath/2007/PartnerControls"/>
-    <ds:schemaRef ds:uri="http://schemas.openxmlformats.org/package/2006/metadata/core-properties"/>
-    <ds:schemaRef ds:uri="http://purl.org/dc/elements/1.1/"/>
-    <ds:schemaRef ds:uri="http://purl.org/dc/terms/"/>
-    <ds:schemaRef ds:uri="http://schemas.microsoft.com/internal/obd"/>
+    <ds:schemaRef ds:uri="http://schemas.microsoft.com/sharepoint/v3/contenttype/forms"/>
   </ds:schemaRefs>
 </ds:datastoreItem>
 </file>
@@ -16752,9 +16767,19 @@
 </file>
 
 <file path=customXml/itemProps3.xml><?xml version="1.0" encoding="utf-8"?>
-<ds:datastoreItem xmlns:ds="http://schemas.openxmlformats.org/officeDocument/2006/customXml" ds:itemID="{F4C7E9DD-FD39-4258-ACCA-161BEA35866B}">
+<ds:datastoreItem xmlns:ds="http://schemas.openxmlformats.org/officeDocument/2006/customXml" ds:itemID="{A0A82F11-A615-41E5-B460-7C061A4C892A}">
   <ds:schemaRefs>
-    <ds:schemaRef ds:uri="http://schemas.microsoft.com/sharepoint/v3/contenttype/forms"/>
+    <ds:schemaRef ds:uri="http://schemas.microsoft.com/office/2006/metadata/contentType"/>
+    <ds:schemaRef ds:uri="http://schemas.microsoft.com/office/2006/metadata/properties/metaAttributes"/>
+    <ds:schemaRef ds:uri="http://www.w3.org/2001/XMLSchema"/>
+    <ds:schemaRef ds:uri="http://schemas.microsoft.com/office/2006/metadata/properties"/>
+    <ds:schemaRef ds:uri="ba304b05-2de2-4a46-be7c-fa23123e7702"/>
+    <ds:schemaRef ds:uri="http://schemas.microsoft.com/office/2006/documentManagement/types"/>
+    <ds:schemaRef ds:uri="http://schemas.microsoft.com/office/infopath/2007/PartnerControls"/>
+    <ds:schemaRef ds:uri="http://schemas.openxmlformats.org/package/2006/metadata/core-properties"/>
+    <ds:schemaRef ds:uri="http://purl.org/dc/elements/1.1/"/>
+    <ds:schemaRef ds:uri="http://purl.org/dc/terms/"/>
+    <ds:schemaRef ds:uri="http://schemas.microsoft.com/internal/obd"/>
   </ds:schemaRefs>
 </ds:datastoreItem>
 </file>